--- a/project_management/caArray_Roadmap.pptx
+++ b/project_management/caArray_Roadmap.pptx
@@ -928,7 +928,7 @@
         <a:p>
           <a:r>
             <a:rPr lang="en-US" dirty="0" smtClean="0"/>
-            <a:t>Q3 </a:t>
+            <a:t>Q2/Q3 </a:t>
           </a:r>
           <a:r>
             <a:rPr lang="en-US" dirty="0" smtClean="0"/>
@@ -989,8 +989,12 @@
         <a:lstStyle/>
         <a:p>
           <a:r>
+            <a:rPr lang="en-US" smtClean="0"/>
+            <a:t>Q4 </a:t>
+          </a:r>
+          <a:r>
             <a:rPr lang="en-US" dirty="0" smtClean="0"/>
-            <a:t>Q1 2012</a:t>
+            <a:t>2012</a:t>
           </a:r>
           <a:endParaRPr lang="en-US" dirty="0"/>
         </a:p>
@@ -1108,7 +1112,7 @@
       <dgm:spPr/>
     </dgm:pt>
     <dgm:pt modelId="{404CF0C3-333F-AE47-B541-BA9E4FB2952B}" type="pres">
-      <dgm:prSet presAssocID="{1A53D345-F31F-E741-BCBC-706B16E5B8EE}" presName="parTxOnly" presStyleLbl="node1" presStyleIdx="1" presStyleCnt="3">
+      <dgm:prSet presAssocID="{1A53D345-F31F-E741-BCBC-706B16E5B8EE}" presName="parTxOnly" presStyleLbl="node1" presStyleIdx="1" presStyleCnt="3" custScaleX="165173">
         <dgm:presLayoutVars>
           <dgm:chMax val="0"/>
           <dgm:chPref val="0"/>
@@ -1185,8 +1189,8 @@
       </dsp:nvSpPr>
       <dsp:spPr>
         <a:xfrm>
-          <a:off x="1830" y="0"/>
-          <a:ext cx="2230263" cy="793751"/>
+          <a:off x="1923" y="0"/>
+          <a:ext cx="2029866" cy="793751"/>
         </a:xfrm>
         <a:prstGeom prst="chevron">
           <a:avLst/>
@@ -1262,8 +1266,8 @@
         </a:p>
       </dsp:txBody>
       <dsp:txXfrm>
-        <a:off x="1830" y="0"/>
-        <a:ext cx="2230263" cy="793751"/>
+        <a:off x="1923" y="0"/>
+        <a:ext cx="2029866" cy="793751"/>
       </dsp:txXfrm>
     </dsp:sp>
     <dsp:sp modelId="{404CF0C3-333F-AE47-B541-BA9E4FB2952B}">
@@ -1273,8 +1277,8 @@
       </dsp:nvSpPr>
       <dsp:spPr>
         <a:xfrm>
-          <a:off x="2009068" y="0"/>
-          <a:ext cx="2230263" cy="793751"/>
+          <a:off x="1828804" y="0"/>
+          <a:ext cx="3352791" cy="793751"/>
         </a:xfrm>
         <a:prstGeom prst="chevron">
           <a:avLst/>
@@ -1344,7 +1348,7 @@
           </a:pPr>
           <a:r>
             <a:rPr lang="en-US" sz="2600" kern="1200" dirty="0" smtClean="0"/>
-            <a:t>Q3 </a:t>
+            <a:t>Q2/Q3 </a:t>
           </a:r>
           <a:r>
             <a:rPr lang="en-US" sz="2600" kern="1200" dirty="0" smtClean="0"/>
@@ -1354,8 +1358,8 @@
         </a:p>
       </dsp:txBody>
       <dsp:txXfrm>
-        <a:off x="2009068" y="0"/>
-        <a:ext cx="2230263" cy="793751"/>
+        <a:off x="1828804" y="0"/>
+        <a:ext cx="3352791" cy="793751"/>
       </dsp:txXfrm>
     </dsp:sp>
     <dsp:sp modelId="{A3CBD592-44B1-FB4E-9EA8-C4B48BAFCF19}">
@@ -1365,8 +1369,8 @@
       </dsp:nvSpPr>
       <dsp:spPr>
         <a:xfrm>
-          <a:off x="4016305" y="0"/>
-          <a:ext cx="2230263" cy="793751"/>
+          <a:off x="4978609" y="0"/>
+          <a:ext cx="2029866" cy="793751"/>
         </a:xfrm>
         <a:prstGeom prst="chevron">
           <a:avLst/>
@@ -1435,15 +1439,19 @@
             </a:spcAft>
           </a:pPr>
           <a:r>
+            <a:rPr lang="en-US" sz="2600" kern="1200" smtClean="0"/>
+            <a:t>Q4 </a:t>
+          </a:r>
+          <a:r>
             <a:rPr lang="en-US" sz="2600" kern="1200" dirty="0" smtClean="0"/>
-            <a:t>Q1 2012</a:t>
+            <a:t>2012</a:t>
           </a:r>
           <a:endParaRPr lang="en-US" sz="2600" kern="1200" dirty="0"/>
         </a:p>
       </dsp:txBody>
       <dsp:txXfrm>
-        <a:off x="4016305" y="0"/>
-        <a:ext cx="2230263" cy="793751"/>
+        <a:off x="4978609" y="0"/>
+        <a:ext cx="2029866" cy="793751"/>
       </dsp:txXfrm>
     </dsp:sp>
   </dsp:spTree>
@@ -6623,7 +6631,7 @@
         </p:nvGraphicFramePr>
         <p:xfrm>
           <a:off x="457200" y="5562599"/>
-          <a:ext cx="6248400" cy="793751"/>
+          <a:ext cx="7010400" cy="793751"/>
         </p:xfrm>
         <a:graphic>
           <a:graphicData uri="http://schemas.openxmlformats.org/drawingml/2006/diagram">
@@ -6639,8 +6647,8 @@
         </p:nvSpPr>
         <p:spPr>
           <a:xfrm>
-            <a:off x="2712842" y="3591416"/>
-            <a:ext cx="3154558" cy="755314"/>
+            <a:off x="3093842" y="3286616"/>
+            <a:ext cx="3154558" cy="1361584"/>
           </a:xfrm>
           <a:prstGeom prst="rect">
             <a:avLst/>
@@ -6683,8 +6691,74 @@
                 </a:solidFill>
                 <a:latin typeface="Book Antiqua"/>
               </a:rPr>
-              <a:t>TRANSCEND Support</a:t>
-            </a:r>
+              <a:t>TRANSCEND Permissions Support</a:t>
+            </a:r>
+          </a:p>
+          <a:p>
+            <a:r>
+              <a:rPr lang="en-US" sz="1400" dirty="0" smtClean="0">
+                <a:solidFill>
+                  <a:schemeClr val="bg2">
+                    <a:lumMod val="10000"/>
+                  </a:schemeClr>
+                </a:solidFill>
+                <a:latin typeface="Book Antiqua"/>
+              </a:rPr>
+              <a:t>Single Sign-on</a:t>
+            </a:r>
+          </a:p>
+          <a:p>
+            <a:r>
+              <a:rPr lang="en-US" sz="1400" dirty="0" smtClean="0">
+                <a:solidFill>
+                  <a:schemeClr val="bg2">
+                    <a:lumMod val="10000"/>
+                  </a:schemeClr>
+                </a:solidFill>
+                <a:latin typeface="Book Antiqua"/>
+              </a:rPr>
+              <a:t>Automatic Refresh to </a:t>
+            </a:r>
+            <a:r>
+              <a:rPr lang="en-US" sz="1400" dirty="0" err="1" smtClean="0">
+                <a:solidFill>
+                  <a:schemeClr val="bg2">
+                    <a:lumMod val="10000"/>
+                  </a:schemeClr>
+                </a:solidFill>
+                <a:latin typeface="Book Antiqua"/>
+              </a:rPr>
+              <a:t>caIntegrator</a:t>
+            </a:r>
+            <a:endParaRPr lang="en-US" sz="1400" dirty="0" smtClean="0">
+              <a:solidFill>
+                <a:schemeClr val="bg2">
+                  <a:lumMod val="10000"/>
+                </a:schemeClr>
+              </a:solidFill>
+              <a:latin typeface="Book Antiqua"/>
+            </a:endParaRPr>
+          </a:p>
+          <a:p>
+            <a:r>
+              <a:rPr lang="en-US" sz="1400" dirty="0" smtClean="0">
+                <a:solidFill>
+                  <a:schemeClr val="bg2">
+                    <a:lumMod val="10000"/>
+                  </a:schemeClr>
+                </a:solidFill>
+                <a:latin typeface="Book Antiqua"/>
+              </a:rPr>
+              <a:t>Audit Log</a:t>
+            </a:r>
+            <a:endParaRPr lang="en-US" sz="1400" dirty="0" smtClean="0">
+              <a:solidFill>
+                <a:schemeClr val="bg2">
+                  <a:lumMod val="10000"/>
+                </a:schemeClr>
+              </a:solidFill>
+              <a:latin typeface="Book Antiqua"/>
+            </a:endParaRPr>
           </a:p>
           <a:p>
             <a:r>
@@ -6694,14 +6768,8 @@
                 </a:solidFill>
                 <a:latin typeface="Book Antiqua"/>
               </a:rPr>
-              <a:t>Release 2.6.0</a:t>
-            </a:r>
-            <a:endParaRPr lang="en-US" sz="1400" b="1" dirty="0" smtClean="0">
-              <a:solidFill>
-                <a:srgbClr val="FF0000"/>
-              </a:solidFill>
-              <a:latin typeface="Book Antiqua"/>
-            </a:endParaRPr>
+              <a:t>Release 2.5.0</a:t>
+            </a:r>
           </a:p>
         </p:txBody>
       </p:sp>
@@ -6796,28 +6864,27 @@
               </a:rPr>
               <a:t>Tech Stack Upgrades</a:t>
             </a:r>
-          </a:p>
-          <a:p>
-            <a:r>
-              <a:rPr lang="en-US" sz="1400" b="1" dirty="0" smtClean="0">
+            <a:endParaRPr lang="en-US" sz="1400" dirty="0" smtClean="0">
+              <a:solidFill>
+                <a:schemeClr val="bg2">
+                  <a:lumMod val="10000"/>
+                </a:schemeClr>
+              </a:solidFill>
+              <a:latin typeface="Book Antiqua"/>
+            </a:endParaRPr>
+          </a:p>
+          <a:p>
+            <a:r>
+              <a:rPr lang="en-US" sz="1400" dirty="0" smtClean="0">
                 <a:solidFill>
-                  <a:srgbClr val="FF0000"/>
+                  <a:schemeClr val="bg2">
+                    <a:lumMod val="10000"/>
+                  </a:schemeClr>
                 </a:solidFill>
                 <a:latin typeface="Book Antiqua"/>
               </a:rPr>
-              <a:t>Release</a:t>
-            </a:r>
-            <a:r>
-              <a:rPr lang="en-US" sz="1400" b="1" dirty="0" smtClean="0">
-                <a:solidFill>
-                  <a:srgbClr val="FF0000"/>
-                </a:solidFill>
-                <a:latin typeface="Book Antiqua"/>
-              </a:rPr>
-              <a:t> 2.5.0</a:t>
-            </a:r>
-          </a:p>
-          <a:p>
+              <a:t>File Storage</a:t>
+            </a:r>
             <a:endParaRPr lang="en-US" sz="1400" dirty="0" smtClean="0">
               <a:solidFill>
                 <a:schemeClr val="bg2">
@@ -6837,8 +6904,8 @@
         </p:nvSpPr>
         <p:spPr>
           <a:xfrm>
-            <a:off x="4953000" y="3619141"/>
-            <a:ext cx="3154558" cy="755314"/>
+            <a:off x="5638800" y="3619141"/>
+            <a:ext cx="4038600" cy="755314"/>
           </a:xfrm>
           <a:prstGeom prst="rect">
             <a:avLst/>
@@ -6881,7 +6948,31 @@
                 </a:solidFill>
                 <a:latin typeface="Book Antiqua"/>
               </a:rPr>
-              <a:t>O&amp;M</a:t>
+              <a:t>O&amp;</a:t>
+            </a:r>
+            <a:r>
+              <a:rPr lang="en-US" sz="1400" dirty="0" smtClean="0">
+                <a:solidFill>
+                  <a:schemeClr val="bg2">
+                    <a:lumMod val="10000"/>
+                  </a:schemeClr>
+                </a:solidFill>
+                <a:latin typeface="Book Antiqua"/>
+              </a:rPr>
+              <a:t>M</a:t>
+            </a:r>
+          </a:p>
+          <a:p>
+            <a:r>
+              <a:rPr lang="en-US" sz="1400" dirty="0" smtClean="0">
+                <a:solidFill>
+                  <a:schemeClr val="bg2">
+                    <a:lumMod val="10000"/>
+                  </a:schemeClr>
+                </a:solidFill>
+                <a:latin typeface="Book Antiqua"/>
+              </a:rPr>
+              <a:t>Community-Contributed Open Source Model</a:t>
             </a:r>
             <a:endParaRPr lang="en-US" sz="1400" dirty="0">
               <a:solidFill>
